--- a/Tutorial/Tutorial.pptx
+++ b/Tutorial/Tutorial.pptx
@@ -219,7 +219,7 @@
           <a:p>
             <a:fld id="{92E9B281-BA54-794C-ACD8-2D743C591A6A}" type="datetime1">
               <a:rPr lang="en-US" smtClean="0"/>
-              <a:t>1/19/15</a:t>
+              <a:t>5/18/15</a:t>
             </a:fld>
             <a:endParaRPr lang="en-US"/>
           </a:p>
@@ -385,7 +385,7 @@
           <a:p>
             <a:fld id="{B19DBBA3-98AD-944B-8B8B-5B9FFC955A4F}" type="datetime1">
               <a:rPr lang="en-US" smtClean="0"/>
-              <a:t>1/19/15</a:t>
+              <a:t>5/18/15</a:t>
             </a:fld>
             <a:endParaRPr lang="en-US"/>
           </a:p>
@@ -2960,7 +2960,7 @@
           <a:p>
             <a:fld id="{5A777D2D-388A-5249-B920-6B487891E39C}" type="datetime1">
               <a:rPr lang="en-US" smtClean="0"/>
-              <a:t>1/19/15</a:t>
+              <a:t>5/18/15</a:t>
             </a:fld>
             <a:endParaRPr lang="en-US"/>
           </a:p>
@@ -4069,7 +4069,7 @@
           <a:p>
             <a:fld id="{B3706F72-1B1B-7D49-8F06-553DBF27354F}" type="datetime1">
               <a:rPr lang="en-US" smtClean="0"/>
-              <a:t>1/19/15</a:t>
+              <a:t>5/18/15</a:t>
             </a:fld>
             <a:endParaRPr lang="en-US"/>
           </a:p>
@@ -5186,7 +5186,7 @@
           <a:p>
             <a:fld id="{33868D22-1979-9941-89D2-960890592796}" type="datetime1">
               <a:rPr lang="en-US" smtClean="0"/>
-              <a:t>1/19/15</a:t>
+              <a:t>5/18/15</a:t>
             </a:fld>
             <a:endParaRPr lang="en-US"/>
           </a:p>
@@ -6298,7 +6298,7 @@
           <a:p>
             <a:fld id="{7DA83AE1-CB64-784C-9A8F-13236E608BC8}" type="datetime1">
               <a:rPr lang="en-US" smtClean="0"/>
-              <a:t>1/19/15</a:t>
+              <a:t>5/18/15</a:t>
             </a:fld>
             <a:endParaRPr lang="en-US"/>
           </a:p>
@@ -7895,7 +7895,7 @@
           <a:p>
             <a:fld id="{706B2D66-2453-CA4D-911E-49DA97530D5E}" type="datetime1">
               <a:rPr lang="en-US" smtClean="0"/>
-              <a:t>1/19/15</a:t>
+              <a:t>5/18/15</a:t>
             </a:fld>
             <a:endParaRPr lang="en-US"/>
           </a:p>
@@ -8957,7 +8957,7 @@
           <a:p>
             <a:fld id="{90FEEE81-71E4-A542-ADFF-2E09FBD3072E}" type="datetime1">
               <a:rPr lang="en-US" smtClean="0"/>
-              <a:t>1/19/15</a:t>
+              <a:t>5/18/15</a:t>
             </a:fld>
             <a:endParaRPr lang="en-US"/>
           </a:p>
@@ -10288,7 +10288,7 @@
           <a:p>
             <a:fld id="{62BDF073-ACE3-A84C-B243-6B11C0476D96}" type="datetime1">
               <a:rPr lang="en-US" smtClean="0"/>
-              <a:t>1/19/15</a:t>
+              <a:t>5/18/15</a:t>
             </a:fld>
             <a:endParaRPr lang="en-US"/>
           </a:p>
@@ -11429,7 +11429,7 @@
           <a:p>
             <a:fld id="{A4440ACC-86DF-6048-A4D0-BE1043AA6C73}" type="datetime1">
               <a:rPr lang="en-US" smtClean="0"/>
-              <a:t>1/19/15</a:t>
+              <a:t>5/18/15</a:t>
             </a:fld>
             <a:endParaRPr lang="en-US"/>
           </a:p>
@@ -12489,7 +12489,7 @@
           <a:p>
             <a:fld id="{78CB6171-CF12-4A4C-B605-2C23CF5C25F9}" type="datetime1">
               <a:rPr lang="en-US" smtClean="0"/>
-              <a:t>1/19/15</a:t>
+              <a:t>5/18/15</a:t>
             </a:fld>
             <a:endParaRPr lang="en-US"/>
           </a:p>
@@ -13531,7 +13531,7 @@
           <a:p>
             <a:fld id="{B5B4C014-2DF0-6A4A-A8CD-F451B1E6A4CA}" type="datetime1">
               <a:rPr lang="en-US" smtClean="0"/>
-              <a:t>1/19/15</a:t>
+              <a:t>5/18/15</a:t>
             </a:fld>
             <a:endParaRPr lang="en-US"/>
           </a:p>
@@ -14770,7 +14770,7 @@
           <a:p>
             <a:fld id="{62AE354E-D8E4-5F49-A393-E13667096BD7}" type="datetime1">
               <a:rPr lang="en-US" smtClean="0"/>
-              <a:t>1/19/15</a:t>
+              <a:t>5/18/15</a:t>
             </a:fld>
             <a:endParaRPr lang="en-US"/>
           </a:p>
@@ -15127,7 +15127,7 @@
           <a:p>
             <a:fld id="{11FB6A6A-2DD6-924E-9F0A-D95C6BF58861}" type="datetime1">
               <a:rPr lang="en-US" smtClean="0"/>
-              <a:t>1/19/15</a:t>
+              <a:t>5/18/15</a:t>
             </a:fld>
             <a:endParaRPr lang="en-US"/>
           </a:p>
@@ -15824,15 +15824,7 @@
           <a:p>
             <a:r>
               <a:rPr lang="en-US" dirty="0" smtClean="0"/>
-              <a:t>This </a:t>
-            </a:r>
-            <a:r>
-              <a:rPr lang="en-US" dirty="0" smtClean="0"/>
-              <a:t>command will fetch </a:t>
-            </a:r>
-            <a:r>
-              <a:rPr lang="en-US" dirty="0" smtClean="0"/>
-              <a:t>dataset from FAX</a:t>
+              <a:t>This command will fetch dataset from FAX</a:t>
             </a:r>
             <a:endParaRPr lang="en-US" dirty="0"/>
           </a:p>
@@ -15861,13 +15853,24 @@
           <a:p>
             <a:r>
               <a:rPr lang="en-US" dirty="0" smtClean="0"/>
-              <a:t>Skipping non-root files</a:t>
-            </a:r>
-          </a:p>
-          <a:p>
+              <a:t>Skipping non-root </a:t>
+            </a:r>
             <a:r>
               <a:rPr lang="en-US" dirty="0" smtClean="0"/>
-              <a:t> Timeouts</a:t>
+              <a:t>files</a:t>
+            </a:r>
+          </a:p>
+          <a:p>
+            <a:r>
+              <a:rPr lang="en-US" dirty="0" smtClean="0"/>
+              <a:t>Subset of files</a:t>
+            </a:r>
+            <a:endParaRPr lang="en-US" dirty="0" smtClean="0"/>
+          </a:p>
+          <a:p>
+            <a:r>
+              <a:rPr lang="en-US" dirty="0" smtClean="0"/>
+              <a:t>Timeouts</a:t>
             </a:r>
             <a:endParaRPr lang="en-US" dirty="0" smtClean="0"/>
           </a:p>
@@ -15905,7 +15908,7 @@
           <a:p>
             <a:fld id="{7DA83AE1-CB64-784C-9A8F-13236E608BC8}" type="datetime1">
               <a:rPr lang="en-US" smtClean="0"/>
-              <a:t>1/19/15</a:t>
+              <a:t>5/18/15</a:t>
             </a:fld>
             <a:endParaRPr lang="en-US"/>
           </a:p>
@@ -15982,7 +15985,7 @@
               <a:t>fax-</a:t>
             </a:r>
             <a:r>
-              <a:rPr lang="da-DK" sz="1200" b="1" dirty="0" err="1">
+              <a:rPr lang="da-DK" sz="1200" b="1" dirty="0" err="1" smtClean="0">
                 <a:solidFill>
                   <a:srgbClr val="E3A743"/>
                 </a:solidFill>
@@ -15992,6 +15995,16 @@
               <a:t>get</a:t>
             </a:r>
             <a:r>
+              <a:rPr lang="da-DK" sz="1200" b="1" dirty="0" smtClean="0">
+                <a:solidFill>
+                  <a:srgbClr val="E3A743"/>
+                </a:solidFill>
+                <a:latin typeface="Consolas"/>
+                <a:cs typeface="Consolas"/>
+              </a:rPr>
+              <a:t> </a:t>
+            </a:r>
+            <a:r>
               <a:rPr lang="da-DK" sz="1200" b="1" dirty="0">
                 <a:solidFill>
                   <a:srgbClr val="E3A743"/>
@@ -15999,7 +16012,7 @@
                 <a:latin typeface="Consolas"/>
                 <a:cs typeface="Consolas"/>
               </a:rPr>
-              <a:t> -v -s 4  user.ivukotic:user.ilijav.HCtest.1</a:t>
+              <a:t>user.ivukotic:user.ilijav.HCtest.1</a:t>
             </a:r>
             <a:endParaRPr lang="da-DK" sz="1200" b="1" dirty="0" smtClean="0">
               <a:solidFill>
@@ -16194,7 +16207,7 @@
           <a:p>
             <a:fld id="{D9EC7038-F29E-FB43-80D2-9BA032D63C30}" type="datetime1">
               <a:rPr lang="en-US" smtClean="0"/>
-              <a:t>1/19/15</a:t>
+              <a:t>5/18/15</a:t>
             </a:fld>
             <a:endParaRPr lang="en-US"/>
           </a:p>
@@ -16619,7 +16632,7 @@
           <a:p>
             <a:fld id="{7DA83AE1-CB64-784C-9A8F-13236E608BC8}" type="datetime1">
               <a:rPr lang="en-US" smtClean="0"/>
-              <a:t>1/19/15</a:t>
+              <a:t>5/18/15</a:t>
             </a:fld>
             <a:endParaRPr lang="en-US"/>
           </a:p>
@@ -17143,17 +17156,7 @@
                 <a:latin typeface="Consolas"/>
                 <a:cs typeface="Consolas"/>
               </a:rPr>
-              <a:t>gLFNs </a:t>
-            </a:r>
-            <a:r>
-              <a:rPr lang="en-US" sz="1400" b="1" dirty="0" smtClean="0">
-                <a:solidFill>
-                  <a:srgbClr val="E3A743"/>
-                </a:solidFill>
-                <a:latin typeface="Consolas"/>
-                <a:cs typeface="Consolas"/>
-              </a:rPr>
-              <a:t>user.ivukotic:user.ilijav.HCtest</a:t>
+              <a:t>gLFNs user.ivukotic:user.ilijav.HCtest</a:t>
             </a:r>
             <a:r>
               <a:rPr lang="en-US" sz="1400" b="1" dirty="0">
@@ -17501,7 +17504,7 @@
           <a:p>
             <a:fld id="{CDA00D33-FDA7-AD4E-9672-FAE71C1B59B7}" type="datetime1">
               <a:rPr lang="en-US" smtClean="0"/>
-              <a:t>1/19/15</a:t>
+              <a:t>5/18/15</a:t>
             </a:fld>
             <a:endParaRPr lang="en-US"/>
           </a:p>
@@ -18520,7 +18523,7 @@
           <a:p>
             <a:fld id="{044211E0-D98E-5D49-A016-8C1B10EEECE0}" type="datetime1">
               <a:rPr lang="en-US" smtClean="0"/>
-              <a:t>1/19/15</a:t>
+              <a:t>5/18/15</a:t>
             </a:fld>
             <a:endParaRPr lang="en-US"/>
           </a:p>
@@ -19973,7 +19976,7 @@
           <a:p>
             <a:fld id="{7DA83AE1-CB64-784C-9A8F-13236E608BC8}" type="datetime1">
               <a:rPr lang="en-US" smtClean="0"/>
-              <a:t>1/19/15</a:t>
+              <a:t>5/18/15</a:t>
             </a:fld>
             <a:endParaRPr lang="en-US"/>
           </a:p>
@@ -20836,7 +20839,7 @@
           <a:p>
             <a:fld id="{7DA83AE1-CB64-784C-9A8F-13236E608BC8}" type="datetime1">
               <a:rPr lang="en-US" smtClean="0"/>
-              <a:t>1/19/15</a:t>
+              <a:t>5/18/15</a:t>
             </a:fld>
             <a:endParaRPr lang="en-US"/>
           </a:p>
@@ -21504,7 +21507,7 @@
           <a:p>
             <a:fld id="{75BE49D8-2F20-4D48-A630-E158AC0D08EF}" type="datetime1">
               <a:rPr lang="en-US" smtClean="0"/>
-              <a:t>1/19/15</a:t>
+              <a:t>5/18/15</a:t>
             </a:fld>
             <a:endParaRPr lang="en-US"/>
           </a:p>
@@ -22673,7 +22676,7 @@
           <a:p>
             <a:fld id="{7DA83AE1-CB64-784C-9A8F-13236E608BC8}" type="datetime1">
               <a:rPr lang="en-US" smtClean="0"/>
-              <a:t>1/19/15</a:t>
+              <a:t>5/18/15</a:t>
             </a:fld>
             <a:endParaRPr lang="en-US"/>
           </a:p>
@@ -22816,7 +22819,7 @@
           <a:p>
             <a:fld id="{7DA83AE1-CB64-784C-9A8F-13236E608BC8}" type="datetime1">
               <a:rPr lang="en-US" smtClean="0"/>
-              <a:t>1/19/15</a:t>
+              <a:t>5/18/15</a:t>
             </a:fld>
             <a:endParaRPr lang="en-US"/>
           </a:p>
@@ -23008,7 +23011,7 @@
           <a:p>
             <a:fld id="{D329B981-814D-754C-B17B-7D2D90287C7C}" type="datetime1">
               <a:rPr lang="en-US" smtClean="0"/>
-              <a:t>1/19/15</a:t>
+              <a:t>5/18/15</a:t>
             </a:fld>
             <a:endParaRPr lang="en-US"/>
           </a:p>
@@ -23345,7 +23348,7 @@
           <a:p>
             <a:fld id="{7DA83AE1-CB64-784C-9A8F-13236E608BC8}" type="datetime1">
               <a:rPr lang="en-US" smtClean="0"/>
-              <a:t>1/19/15</a:t>
+              <a:t>5/18/15</a:t>
             </a:fld>
             <a:endParaRPr lang="en-US"/>
           </a:p>
@@ -23676,7 +23679,7 @@
           <a:p>
             <a:fld id="{7DA83AE1-CB64-784C-9A8F-13236E608BC8}" type="datetime1">
               <a:rPr lang="en-US" smtClean="0"/>
-              <a:t>1/19/15</a:t>
+              <a:t>5/18/15</a:t>
             </a:fld>
             <a:endParaRPr lang="en-US"/>
           </a:p>
@@ -26587,7 +26590,7 @@
           <a:p>
             <a:fld id="{7DA83AE1-CB64-784C-9A8F-13236E608BC8}" type="datetime1">
               <a:rPr lang="en-US" smtClean="0"/>
-              <a:t>1/19/15</a:t>
+              <a:t>5/18/15</a:t>
             </a:fld>
             <a:endParaRPr lang="en-US"/>
           </a:p>
@@ -26724,7 +26727,7 @@
           <a:p>
             <a:fld id="{7DA83AE1-CB64-784C-9A8F-13236E608BC8}" type="datetime1">
               <a:rPr lang="en-US" smtClean="0"/>
-              <a:t>1/19/15</a:t>
+              <a:t>5/18/15</a:t>
             </a:fld>
             <a:endParaRPr lang="en-US" dirty="0"/>
           </a:p>
@@ -27532,7 +27535,7 @@
           <a:p>
             <a:fld id="{7DA83AE1-CB64-784C-9A8F-13236E608BC8}" type="datetime1">
               <a:rPr lang="en-US" smtClean="0"/>
-              <a:t>1/19/15</a:t>
+              <a:t>5/18/15</a:t>
             </a:fld>
             <a:endParaRPr lang="en-US" dirty="0"/>
           </a:p>
@@ -28109,7 +28112,7 @@
           <a:p>
             <a:fld id="{7DA83AE1-CB64-784C-9A8F-13236E608BC8}" type="datetime1">
               <a:rPr lang="en-US" smtClean="0"/>
-              <a:t>1/19/15</a:t>
+              <a:t>5/18/15</a:t>
             </a:fld>
             <a:endParaRPr lang="en-US"/>
           </a:p>
@@ -28332,15 +28335,7 @@
           <a:p>
             <a:r>
               <a:rPr lang="en-US" sz="1800" dirty="0" smtClean="0"/>
-              <a:t>Currently </a:t>
-            </a:r>
-            <a:r>
-              <a:rPr lang="en-US" sz="1800" dirty="0" smtClean="0"/>
-              <a:t>64 sites </a:t>
-            </a:r>
-            <a:r>
-              <a:rPr lang="en-US" sz="1800" dirty="0" smtClean="0"/>
-              <a:t>are part of FAX </a:t>
+              <a:t>Currently 64 sites are part of FAX </a:t>
             </a:r>
           </a:p>
           <a:p>
@@ -28352,33 +28347,13 @@
           <a:p>
             <a:r>
               <a:rPr lang="en-US" sz="1800" dirty="0" smtClean="0"/>
-              <a:t>&gt; </a:t>
-            </a:r>
+              <a:t>&gt; 96% of all disk</a:t>
+            </a:r>
+          </a:p>
+          <a:p>
             <a:r>
               <a:rPr lang="en-US" sz="1800" dirty="0" smtClean="0"/>
-              <a:t>96</a:t>
-            </a:r>
-            <a:r>
-              <a:rPr lang="en-US" sz="1800" dirty="0" smtClean="0"/>
-              <a:t>% </a:t>
-            </a:r>
-            <a:r>
-              <a:rPr lang="en-US" sz="1800" dirty="0" smtClean="0"/>
-              <a:t>of all disk</a:t>
-            </a:r>
-          </a:p>
-          <a:p>
-            <a:r>
-              <a:rPr lang="en-US" sz="1800" dirty="0" smtClean="0"/>
-              <a:t>&gt; </a:t>
-            </a:r>
-            <a:r>
-              <a:rPr lang="en-US" sz="1800" dirty="0" smtClean="0"/>
-              <a:t>98% </a:t>
-            </a:r>
-            <a:r>
-              <a:rPr lang="en-US" sz="1800" dirty="0" smtClean="0"/>
-              <a:t>of all data</a:t>
+              <a:t>&gt; 98% of all data</a:t>
             </a:r>
             <a:endParaRPr lang="en-US" sz="1800" dirty="0"/>
           </a:p>
@@ -28401,7 +28376,7 @@
           <a:p>
             <a:fld id="{79C8D36C-4D1A-4A4B-A2DE-3FD323663130}" type="datetime1">
               <a:rPr lang="en-US" smtClean="0"/>
-              <a:t>1/19/15</a:t>
+              <a:t>5/18/15</a:t>
             </a:fld>
             <a:endParaRPr lang="en-US"/>
           </a:p>
@@ -28616,7 +28591,7 @@
           <a:p>
             <a:fld id="{7DA83AE1-CB64-784C-9A8F-13236E608BC8}" type="datetime1">
               <a:rPr lang="en-US" smtClean="0"/>
-              <a:t>1/19/15</a:t>
+              <a:t>5/18/15</a:t>
             </a:fld>
             <a:endParaRPr lang="en-US"/>
           </a:p>
@@ -31493,7 +31468,7 @@
           <a:p>
             <a:fld id="{5A9A4CA0-2DD9-1142-9E89-A008F169B6AB}" type="datetime1">
               <a:rPr lang="en-US" smtClean="0"/>
-              <a:t>1/19/15</a:t>
+              <a:t>5/18/15</a:t>
             </a:fld>
             <a:endParaRPr lang="en-US"/>
           </a:p>
@@ -31696,7 +31671,7 @@
           <a:p>
             <a:fld id="{7DA83AE1-CB64-784C-9A8F-13236E608BC8}" type="datetime1">
               <a:rPr lang="en-US" smtClean="0"/>
-              <a:t>1/19/15</a:t>
+              <a:t>5/18/15</a:t>
             </a:fld>
             <a:endParaRPr lang="en-US"/>
           </a:p>
@@ -31936,7 +31911,7 @@
           <a:p>
             <a:fld id="{7DA83AE1-CB64-784C-9A8F-13236E608BC8}" type="datetime1">
               <a:rPr lang="en-US" smtClean="0"/>
-              <a:t>1/19/15</a:t>
+              <a:t>5/18/15</a:t>
             </a:fld>
             <a:endParaRPr lang="en-US"/>
           </a:p>
@@ -32315,7 +32290,7 @@
           <a:p>
             <a:fld id="{7DA83AE1-CB64-784C-9A8F-13236E608BC8}" type="datetime1">
               <a:rPr lang="en-US" smtClean="0"/>
-              <a:t>1/19/15</a:t>
+              <a:t>5/18/15</a:t>
             </a:fld>
             <a:endParaRPr lang="en-US"/>
           </a:p>
@@ -33149,7 +33124,7 @@
           <a:p>
             <a:fld id="{7DA83AE1-CB64-784C-9A8F-13236E608BC8}" type="datetime1">
               <a:rPr lang="en-US" smtClean="0"/>
-              <a:t>1/19/15</a:t>
+              <a:t>5/18/15</a:t>
             </a:fld>
             <a:endParaRPr lang="en-US"/>
           </a:p>
@@ -33187,7 +33162,7 @@
         <p:spPr>
           <a:xfrm>
             <a:off x="685800" y="2430434"/>
-            <a:ext cx="7926944" cy="1569660"/>
+            <a:ext cx="7926944" cy="1015663"/>
           </a:xfrm>
           <a:prstGeom prst="rect">
             <a:avLst/>
@@ -33216,26 +33191,6 @@
           <a:lstStyle/>
           <a:p>
             <a:r>
-              <a:rPr lang="en-US" sz="1200" b="1" dirty="0" err="1" smtClean="0">
-                <a:solidFill>
-                  <a:srgbClr val="E3A743"/>
-                </a:solidFill>
-                <a:latin typeface="Consolas"/>
-                <a:cs typeface="Consolas"/>
-              </a:rPr>
-              <a:t>isDSinFAX</a:t>
-            </a:r>
-            <a:r>
-              <a:rPr lang="en-US" sz="1200" b="1" dirty="0" smtClean="0">
-                <a:solidFill>
-                  <a:srgbClr val="E3A743"/>
-                </a:solidFill>
-                <a:latin typeface="Consolas"/>
-                <a:cs typeface="Consolas"/>
-              </a:rPr>
-              <a:t> </a:t>
-            </a:r>
-            <a:r>
               <a:rPr lang="en-US" sz="1200" b="1" dirty="0">
                 <a:solidFill>
                   <a:srgbClr val="E3A743"/>
@@ -33243,17 +33198,7 @@
                 <a:latin typeface="Consolas"/>
                 <a:cs typeface="Consolas"/>
               </a:rPr>
-              <a:t>data12_8TeV.periodH2.physics_Muons.PhysCont.NTUP_SMWZ.grp13_v01_p1067</a:t>
-            </a:r>
-            <a:r>
-              <a:rPr lang="en-US" sz="1200" b="1" dirty="0" smtClean="0">
-                <a:solidFill>
-                  <a:srgbClr val="E3A743"/>
-                </a:solidFill>
-                <a:latin typeface="Consolas"/>
-                <a:cs typeface="Consolas"/>
-              </a:rPr>
-              <a:t>/</a:t>
+              <a:t>fax-is-dataset-covered user.ivukotic:user.ilijav.HCtest.1                                                                                </a:t>
             </a:r>
           </a:p>
           <a:p>
@@ -33274,7 +33219,7 @@
                 <a:latin typeface="Consolas"/>
                 <a:cs typeface="Consolas"/>
               </a:rPr>
-              <a:t>data12_8TeV.00212809.physics_Muons.merge.NTUP_SMWZ.f481_m1233_p1067_p1141_tid01012924_00 	complete replicas: 6 	incomplete: 0</a:t>
+              <a:t>Dataset contains 6 files.</a:t>
             </a:r>
           </a:p>
           <a:p>
@@ -33286,7 +33231,7 @@
                 <a:latin typeface="Consolas"/>
                 <a:cs typeface="Consolas"/>
               </a:rPr>
-              <a:t>data12_8TeV.00212858.physics_Muons.merge.NTUP_SMWZ.f481_m1233_p1067_p1141_tid01014068_00 	complete replicas: 5 	incomplete: 0</a:t>
+              <a:t>At the moment all of them can be accessed using FAX.</a:t>
             </a:r>
           </a:p>
           <a:p>
@@ -33298,8 +33243,15 @@
                 <a:latin typeface="Consolas"/>
                 <a:cs typeface="Consolas"/>
               </a:rPr>
-              <a:t>data12_8TeV.00212815.physics_Muons.merge.NTUP_SMWZ.f481_m1233_p1067_p1141_tid01012923_00 	complete replicas: 7 	incomplete: 0</a:t>
-            </a:r>
+              <a:t>in average files have  61 replicas.</a:t>
+            </a:r>
+            <a:endParaRPr lang="en-US" sz="1200" b="1" dirty="0">
+              <a:solidFill>
+                <a:srgbClr val="E3A743"/>
+              </a:solidFill>
+              <a:latin typeface="Consolas"/>
+              <a:cs typeface="Consolas"/>
+            </a:endParaRPr>
           </a:p>
         </p:txBody>
       </p:sp>

--- a/Tutorial/Tutorial.pptx
+++ b/Tutorial/Tutorial.pptx
@@ -219,7 +219,7 @@
           <a:p>
             <a:fld id="{92E9B281-BA54-794C-ACD8-2D743C591A6A}" type="datetime1">
               <a:rPr lang="en-US" smtClean="0"/>
-              <a:t>5/18/15</a:t>
+              <a:t>5/26/15</a:t>
             </a:fld>
             <a:endParaRPr lang="en-US"/>
           </a:p>
@@ -385,7 +385,7 @@
           <a:p>
             <a:fld id="{B19DBBA3-98AD-944B-8B8B-5B9FFC955A4F}" type="datetime1">
               <a:rPr lang="en-US" smtClean="0"/>
-              <a:t>5/18/15</a:t>
+              <a:t>5/26/15</a:t>
             </a:fld>
             <a:endParaRPr lang="en-US"/>
           </a:p>
@@ -2960,7 +2960,7 @@
           <a:p>
             <a:fld id="{5A777D2D-388A-5249-B920-6B487891E39C}" type="datetime1">
               <a:rPr lang="en-US" smtClean="0"/>
-              <a:t>5/18/15</a:t>
+              <a:t>5/26/15</a:t>
             </a:fld>
             <a:endParaRPr lang="en-US"/>
           </a:p>
@@ -4069,7 +4069,7 @@
           <a:p>
             <a:fld id="{B3706F72-1B1B-7D49-8F06-553DBF27354F}" type="datetime1">
               <a:rPr lang="en-US" smtClean="0"/>
-              <a:t>5/18/15</a:t>
+              <a:t>5/26/15</a:t>
             </a:fld>
             <a:endParaRPr lang="en-US"/>
           </a:p>
@@ -5186,7 +5186,7 @@
           <a:p>
             <a:fld id="{33868D22-1979-9941-89D2-960890592796}" type="datetime1">
               <a:rPr lang="en-US" smtClean="0"/>
-              <a:t>5/18/15</a:t>
+              <a:t>5/26/15</a:t>
             </a:fld>
             <a:endParaRPr lang="en-US"/>
           </a:p>
@@ -6298,7 +6298,7 @@
           <a:p>
             <a:fld id="{7DA83AE1-CB64-784C-9A8F-13236E608BC8}" type="datetime1">
               <a:rPr lang="en-US" smtClean="0"/>
-              <a:t>5/18/15</a:t>
+              <a:t>5/26/15</a:t>
             </a:fld>
             <a:endParaRPr lang="en-US"/>
           </a:p>
@@ -7895,7 +7895,7 @@
           <a:p>
             <a:fld id="{706B2D66-2453-CA4D-911E-49DA97530D5E}" type="datetime1">
               <a:rPr lang="en-US" smtClean="0"/>
-              <a:t>5/18/15</a:t>
+              <a:t>5/26/15</a:t>
             </a:fld>
             <a:endParaRPr lang="en-US"/>
           </a:p>
@@ -8957,7 +8957,7 @@
           <a:p>
             <a:fld id="{90FEEE81-71E4-A542-ADFF-2E09FBD3072E}" type="datetime1">
               <a:rPr lang="en-US" smtClean="0"/>
-              <a:t>5/18/15</a:t>
+              <a:t>5/26/15</a:t>
             </a:fld>
             <a:endParaRPr lang="en-US"/>
           </a:p>
@@ -10288,7 +10288,7 @@
           <a:p>
             <a:fld id="{62BDF073-ACE3-A84C-B243-6B11C0476D96}" type="datetime1">
               <a:rPr lang="en-US" smtClean="0"/>
-              <a:t>5/18/15</a:t>
+              <a:t>5/26/15</a:t>
             </a:fld>
             <a:endParaRPr lang="en-US"/>
           </a:p>
@@ -11429,7 +11429,7 @@
           <a:p>
             <a:fld id="{A4440ACC-86DF-6048-A4D0-BE1043AA6C73}" type="datetime1">
               <a:rPr lang="en-US" smtClean="0"/>
-              <a:t>5/18/15</a:t>
+              <a:t>5/26/15</a:t>
             </a:fld>
             <a:endParaRPr lang="en-US"/>
           </a:p>
@@ -12489,7 +12489,7 @@
           <a:p>
             <a:fld id="{78CB6171-CF12-4A4C-B605-2C23CF5C25F9}" type="datetime1">
               <a:rPr lang="en-US" smtClean="0"/>
-              <a:t>5/18/15</a:t>
+              <a:t>5/26/15</a:t>
             </a:fld>
             <a:endParaRPr lang="en-US"/>
           </a:p>
@@ -13531,7 +13531,7 @@
           <a:p>
             <a:fld id="{B5B4C014-2DF0-6A4A-A8CD-F451B1E6A4CA}" type="datetime1">
               <a:rPr lang="en-US" smtClean="0"/>
-              <a:t>5/18/15</a:t>
+              <a:t>5/26/15</a:t>
             </a:fld>
             <a:endParaRPr lang="en-US"/>
           </a:p>
@@ -14770,7 +14770,7 @@
           <a:p>
             <a:fld id="{62AE354E-D8E4-5F49-A393-E13667096BD7}" type="datetime1">
               <a:rPr lang="en-US" smtClean="0"/>
-              <a:t>5/18/15</a:t>
+              <a:t>5/26/15</a:t>
             </a:fld>
             <a:endParaRPr lang="en-US"/>
           </a:p>
@@ -15127,7 +15127,7 @@
           <a:p>
             <a:fld id="{11FB6A6A-2DD6-924E-9F0A-D95C6BF58861}" type="datetime1">
               <a:rPr lang="en-US" smtClean="0"/>
-              <a:t>5/18/15</a:t>
+              <a:t>5/26/15</a:t>
             </a:fld>
             <a:endParaRPr lang="en-US"/>
           </a:p>
@@ -15853,11 +15853,7 @@
           <a:p>
             <a:r>
               <a:rPr lang="en-US" dirty="0" smtClean="0"/>
-              <a:t>Skipping non-root </a:t>
-            </a:r>
-            <a:r>
-              <a:rPr lang="en-US" dirty="0" smtClean="0"/>
-              <a:t>files</a:t>
+              <a:t>Skipping non-root files</a:t>
             </a:r>
           </a:p>
           <a:p>
@@ -15865,14 +15861,12 @@
               <a:rPr lang="en-US" dirty="0" smtClean="0"/>
               <a:t>Subset of files</a:t>
             </a:r>
-            <a:endParaRPr lang="en-US" dirty="0" smtClean="0"/>
           </a:p>
           <a:p>
             <a:r>
               <a:rPr lang="en-US" dirty="0" smtClean="0"/>
               <a:t>Timeouts</a:t>
             </a:r>
-            <a:endParaRPr lang="en-US" dirty="0" smtClean="0"/>
           </a:p>
           <a:p>
             <a:endParaRPr lang="en-US" dirty="0"/>
@@ -15908,7 +15902,7 @@
           <a:p>
             <a:fld id="{7DA83AE1-CB64-784C-9A8F-13236E608BC8}" type="datetime1">
               <a:rPr lang="en-US" smtClean="0"/>
-              <a:t>5/18/15</a:t>
+              <a:t>5/26/15</a:t>
             </a:fld>
             <a:endParaRPr lang="en-US"/>
           </a:p>
@@ -16207,7 +16201,7 @@
           <a:p>
             <a:fld id="{D9EC7038-F29E-FB43-80D2-9BA032D63C30}" type="datetime1">
               <a:rPr lang="en-US" smtClean="0"/>
-              <a:t>5/18/15</a:t>
+              <a:t>5/26/15</a:t>
             </a:fld>
             <a:endParaRPr lang="en-US"/>
           </a:p>
@@ -16632,7 +16626,7 @@
           <a:p>
             <a:fld id="{7DA83AE1-CB64-784C-9A8F-13236E608BC8}" type="datetime1">
               <a:rPr lang="en-US" smtClean="0"/>
-              <a:t>5/18/15</a:t>
+              <a:t>5/26/15</a:t>
             </a:fld>
             <a:endParaRPr lang="en-US"/>
           </a:p>
@@ -17504,7 +17498,7 @@
           <a:p>
             <a:fld id="{CDA00D33-FDA7-AD4E-9672-FAE71C1B59B7}" type="datetime1">
               <a:rPr lang="en-US" smtClean="0"/>
-              <a:t>5/18/15</a:t>
+              <a:t>5/26/15</a:t>
             </a:fld>
             <a:endParaRPr lang="en-US"/>
           </a:p>
@@ -18523,7 +18517,7 @@
           <a:p>
             <a:fld id="{044211E0-D98E-5D49-A016-8C1B10EEECE0}" type="datetime1">
               <a:rPr lang="en-US" smtClean="0"/>
-              <a:t>5/18/15</a:t>
+              <a:t>5/26/15</a:t>
             </a:fld>
             <a:endParaRPr lang="en-US"/>
           </a:p>
@@ -19976,7 +19970,7 @@
           <a:p>
             <a:fld id="{7DA83AE1-CB64-784C-9A8F-13236E608BC8}" type="datetime1">
               <a:rPr lang="en-US" smtClean="0"/>
-              <a:t>5/18/15</a:t>
+              <a:t>5/26/15</a:t>
             </a:fld>
             <a:endParaRPr lang="en-US"/>
           </a:p>
@@ -20839,7 +20833,7 @@
           <a:p>
             <a:fld id="{7DA83AE1-CB64-784C-9A8F-13236E608BC8}" type="datetime1">
               <a:rPr lang="en-US" smtClean="0"/>
-              <a:t>5/18/15</a:t>
+              <a:t>5/26/15</a:t>
             </a:fld>
             <a:endParaRPr lang="en-US"/>
           </a:p>
@@ -21507,7 +21501,7 @@
           <a:p>
             <a:fld id="{75BE49D8-2F20-4D48-A630-E158AC0D08EF}" type="datetime1">
               <a:rPr lang="en-US" smtClean="0"/>
-              <a:t>5/18/15</a:t>
+              <a:t>5/26/15</a:t>
             </a:fld>
             <a:endParaRPr lang="en-US"/>
           </a:p>
@@ -22676,7 +22670,7 @@
           <a:p>
             <a:fld id="{7DA83AE1-CB64-784C-9A8F-13236E608BC8}" type="datetime1">
               <a:rPr lang="en-US" smtClean="0"/>
-              <a:t>5/18/15</a:t>
+              <a:t>5/26/15</a:t>
             </a:fld>
             <a:endParaRPr lang="en-US"/>
           </a:p>
@@ -22819,7 +22813,7 @@
           <a:p>
             <a:fld id="{7DA83AE1-CB64-784C-9A8F-13236E608BC8}" type="datetime1">
               <a:rPr lang="en-US" smtClean="0"/>
-              <a:t>5/18/15</a:t>
+              <a:t>5/26/15</a:t>
             </a:fld>
             <a:endParaRPr lang="en-US"/>
           </a:p>
@@ -23011,7 +23005,7 @@
           <a:p>
             <a:fld id="{D329B981-814D-754C-B17B-7D2D90287C7C}" type="datetime1">
               <a:rPr lang="en-US" smtClean="0"/>
-              <a:t>5/18/15</a:t>
+              <a:t>5/26/15</a:t>
             </a:fld>
             <a:endParaRPr lang="en-US"/>
           </a:p>
@@ -23348,7 +23342,7 @@
           <a:p>
             <a:fld id="{7DA83AE1-CB64-784C-9A8F-13236E608BC8}" type="datetime1">
               <a:rPr lang="en-US" smtClean="0"/>
-              <a:t>5/18/15</a:t>
+              <a:t>5/26/15</a:t>
             </a:fld>
             <a:endParaRPr lang="en-US"/>
           </a:p>
@@ -23679,7 +23673,7 @@
           <a:p>
             <a:fld id="{7DA83AE1-CB64-784C-9A8F-13236E608BC8}" type="datetime1">
               <a:rPr lang="en-US" smtClean="0"/>
-              <a:t>5/18/15</a:t>
+              <a:t>5/26/15</a:t>
             </a:fld>
             <a:endParaRPr lang="en-US"/>
           </a:p>
@@ -26590,7 +26584,7 @@
           <a:p>
             <a:fld id="{7DA83AE1-CB64-784C-9A8F-13236E608BC8}" type="datetime1">
               <a:rPr lang="en-US" smtClean="0"/>
-              <a:t>5/18/15</a:t>
+              <a:t>5/26/15</a:t>
             </a:fld>
             <a:endParaRPr lang="en-US"/>
           </a:p>
@@ -26727,7 +26721,7 @@
           <a:p>
             <a:fld id="{7DA83AE1-CB64-784C-9A8F-13236E608BC8}" type="datetime1">
               <a:rPr lang="en-US" smtClean="0"/>
-              <a:t>5/18/15</a:t>
+              <a:t>5/26/15</a:t>
             </a:fld>
             <a:endParaRPr lang="en-US" dirty="0"/>
           </a:p>
@@ -27535,7 +27529,7 @@
           <a:p>
             <a:fld id="{7DA83AE1-CB64-784C-9A8F-13236E608BC8}" type="datetime1">
               <a:rPr lang="en-US" smtClean="0"/>
-              <a:t>5/18/15</a:t>
+              <a:t>5/26/15</a:t>
             </a:fld>
             <a:endParaRPr lang="en-US" dirty="0"/>
           </a:p>
@@ -28112,7 +28106,7 @@
           <a:p>
             <a:fld id="{7DA83AE1-CB64-784C-9A8F-13236E608BC8}" type="datetime1">
               <a:rPr lang="en-US" smtClean="0"/>
-              <a:t>5/18/15</a:t>
+              <a:t>5/26/15</a:t>
             </a:fld>
             <a:endParaRPr lang="en-US"/>
           </a:p>
@@ -28376,7 +28370,7 @@
           <a:p>
             <a:fld id="{79C8D36C-4D1A-4A4B-A2DE-3FD323663130}" type="datetime1">
               <a:rPr lang="en-US" smtClean="0"/>
-              <a:t>5/18/15</a:t>
+              <a:t>5/26/15</a:t>
             </a:fld>
             <a:endParaRPr lang="en-US"/>
           </a:p>
@@ -28591,7 +28585,7 @@
           <a:p>
             <a:fld id="{7DA83AE1-CB64-784C-9A8F-13236E608BC8}" type="datetime1">
               <a:rPr lang="en-US" smtClean="0"/>
-              <a:t>5/18/15</a:t>
+              <a:t>5/26/15</a:t>
             </a:fld>
             <a:endParaRPr lang="en-US"/>
           </a:p>
@@ -31468,7 +31462,7 @@
           <a:p>
             <a:fld id="{5A9A4CA0-2DD9-1142-9E89-A008F169B6AB}" type="datetime1">
               <a:rPr lang="en-US" smtClean="0"/>
-              <a:t>5/18/15</a:t>
+              <a:t>5/26/15</a:t>
             </a:fld>
             <a:endParaRPr lang="en-US"/>
           </a:p>
@@ -31671,7 +31665,7 @@
           <a:p>
             <a:fld id="{7DA83AE1-CB64-784C-9A8F-13236E608BC8}" type="datetime1">
               <a:rPr lang="en-US" smtClean="0"/>
-              <a:t>5/18/15</a:t>
+              <a:t>5/26/15</a:t>
             </a:fld>
             <a:endParaRPr lang="en-US"/>
           </a:p>
@@ -31911,7 +31905,7 @@
           <a:p>
             <a:fld id="{7DA83AE1-CB64-784C-9A8F-13236E608BC8}" type="datetime1">
               <a:rPr lang="en-US" smtClean="0"/>
-              <a:t>5/18/15</a:t>
+              <a:t>5/26/15</a:t>
             </a:fld>
             <a:endParaRPr lang="en-US"/>
           </a:p>
@@ -32290,7 +32284,7 @@
           <a:p>
             <a:fld id="{7DA83AE1-CB64-784C-9A8F-13236E608BC8}" type="datetime1">
               <a:rPr lang="en-US" smtClean="0"/>
-              <a:t>5/18/15</a:t>
+              <a:t>5/26/15</a:t>
             </a:fld>
             <a:endParaRPr lang="en-US"/>
           </a:p>
@@ -33124,7 +33118,7 @@
           <a:p>
             <a:fld id="{7DA83AE1-CB64-784C-9A8F-13236E608BC8}" type="datetime1">
               <a:rPr lang="en-US" smtClean="0"/>
-              <a:t>5/18/15</a:t>
+              <a:t>5/26/15</a:t>
             </a:fld>
             <a:endParaRPr lang="en-US"/>
           </a:p>
@@ -33245,13 +33239,6 @@
               </a:rPr>
               <a:t>in average files have  61 replicas.</a:t>
             </a:r>
-            <a:endParaRPr lang="en-US" sz="1200" b="1" dirty="0">
-              <a:solidFill>
-                <a:srgbClr val="E3A743"/>
-              </a:solidFill>
-              <a:latin typeface="Consolas"/>
-              <a:cs typeface="Consolas"/>
-            </a:endParaRPr>
           </a:p>
         </p:txBody>
       </p:sp>
